--- a/ShootTutorialHan.pptx
+++ b/ShootTutorialHan.pptx
@@ -164,7 +164,7 @@
   </p:defaultTextStyle>
   <p:extLst>
     <p:ext uri="{EFAFB233-063F-42B5-8137-9DF3F51BA10A}">
-      <p15:sldGuideLst xmlns:p15="http://schemas.microsoft.com/office/powerpoint/2012/main">
+      <p15:sldGuideLst xmlns:p15="http://schemas.microsoft.com/office/powerpoint/2012/main" xmlns="">
         <p15:guide id="1" orient="horz" pos="2160">
           <p15:clr>
             <a:srgbClr val="A4A3A4"/>
@@ -263,7 +263,7 @@
           <a:p>
             <a:fld id="{C5349345-4DA3-4D3A-954D-0635065F779A}" type="datetimeFigureOut">
               <a:rPr lang="zh-CN" altLang="en-US" smtClean="0"/>
-              <a:t>2016/12/5</a:t>
+              <a:t>2018/5/3</a:t>
             </a:fld>
             <a:endParaRPr lang="zh-CN" altLang="en-US"/>
           </a:p>
@@ -16560,7 +16560,7 @@
           <a:p>
             <a:fld id="{530820CF-B880-4189-942D-D702A7CBA730}" type="datetimeFigureOut">
               <a:rPr lang="zh-CN" altLang="en-US" smtClean="0"/>
-              <a:t>2016/12/5</a:t>
+              <a:t>2018/5/3</a:t>
             </a:fld>
             <a:endParaRPr lang="zh-CN" altLang="en-US"/>
           </a:p>
@@ -16725,7 +16725,7 @@
           <a:p>
             <a:fld id="{530820CF-B880-4189-942D-D702A7CBA730}" type="datetimeFigureOut">
               <a:rPr lang="zh-CN" altLang="en-US" smtClean="0"/>
-              <a:t>2016/12/5</a:t>
+              <a:t>2018/5/3</a:t>
             </a:fld>
             <a:endParaRPr lang="zh-CN" altLang="en-US"/>
           </a:p>
@@ -16900,7 +16900,7 @@
           <a:p>
             <a:fld id="{530820CF-B880-4189-942D-D702A7CBA730}" type="datetimeFigureOut">
               <a:rPr lang="zh-CN" altLang="en-US" smtClean="0"/>
-              <a:t>2016/12/5</a:t>
+              <a:t>2018/5/3</a:t>
             </a:fld>
             <a:endParaRPr lang="zh-CN" altLang="en-US"/>
           </a:p>
@@ -17065,7 +17065,7 @@
           <a:p>
             <a:fld id="{530820CF-B880-4189-942D-D702A7CBA730}" type="datetimeFigureOut">
               <a:rPr lang="zh-CN" altLang="en-US" smtClean="0"/>
-              <a:t>2016/12/5</a:t>
+              <a:t>2018/5/3</a:t>
             </a:fld>
             <a:endParaRPr lang="zh-CN" altLang="en-US"/>
           </a:p>
@@ -17306,7 +17306,7 @@
           <a:p>
             <a:fld id="{530820CF-B880-4189-942D-D702A7CBA730}" type="datetimeFigureOut">
               <a:rPr lang="zh-CN" altLang="en-US" smtClean="0"/>
-              <a:t>2016/12/5</a:t>
+              <a:t>2018/5/3</a:t>
             </a:fld>
             <a:endParaRPr lang="zh-CN" altLang="en-US"/>
           </a:p>
@@ -17589,7 +17589,7 @@
           <a:p>
             <a:fld id="{530820CF-B880-4189-942D-D702A7CBA730}" type="datetimeFigureOut">
               <a:rPr lang="zh-CN" altLang="en-US" smtClean="0"/>
-              <a:t>2016/12/5</a:t>
+              <a:t>2018/5/3</a:t>
             </a:fld>
             <a:endParaRPr lang="zh-CN" altLang="en-US"/>
           </a:p>
@@ -18006,7 +18006,7 @@
           <a:p>
             <a:fld id="{530820CF-B880-4189-942D-D702A7CBA730}" type="datetimeFigureOut">
               <a:rPr lang="zh-CN" altLang="en-US" smtClean="0"/>
-              <a:t>2016/12/5</a:t>
+              <a:t>2018/5/3</a:t>
             </a:fld>
             <a:endParaRPr lang="zh-CN" altLang="en-US"/>
           </a:p>
@@ -18119,7 +18119,7 @@
           <a:p>
             <a:fld id="{530820CF-B880-4189-942D-D702A7CBA730}" type="datetimeFigureOut">
               <a:rPr lang="zh-CN" altLang="en-US" smtClean="0"/>
-              <a:t>2016/12/5</a:t>
+              <a:t>2018/5/3</a:t>
             </a:fld>
             <a:endParaRPr lang="zh-CN" altLang="en-US"/>
           </a:p>
@@ -18209,7 +18209,7 @@
           <a:p>
             <a:fld id="{530820CF-B880-4189-942D-D702A7CBA730}" type="datetimeFigureOut">
               <a:rPr lang="zh-CN" altLang="en-US" smtClean="0"/>
-              <a:t>2016/12/5</a:t>
+              <a:t>2018/5/3</a:t>
             </a:fld>
             <a:endParaRPr lang="zh-CN" altLang="en-US"/>
           </a:p>
@@ -18481,7 +18481,7 @@
           <a:p>
             <a:fld id="{530820CF-B880-4189-942D-D702A7CBA730}" type="datetimeFigureOut">
               <a:rPr lang="zh-CN" altLang="en-US" smtClean="0"/>
-              <a:t>2016/12/5</a:t>
+              <a:t>2018/5/3</a:t>
             </a:fld>
             <a:endParaRPr lang="zh-CN" altLang="en-US"/>
           </a:p>
@@ -18729,7 +18729,7 @@
           <a:p>
             <a:fld id="{530820CF-B880-4189-942D-D702A7CBA730}" type="datetimeFigureOut">
               <a:rPr lang="zh-CN" altLang="en-US" smtClean="0"/>
-              <a:t>2016/12/5</a:t>
+              <a:t>2018/5/3</a:t>
             </a:fld>
             <a:endParaRPr lang="zh-CN" altLang="en-US"/>
           </a:p>
@@ -18937,7 +18937,7 @@
           <a:p>
             <a:fld id="{530820CF-B880-4189-942D-D702A7CBA730}" type="datetimeFigureOut">
               <a:rPr lang="zh-CN" altLang="en-US" smtClean="0"/>
-              <a:t>2016/12/5</a:t>
+              <a:t>2018/5/3</a:t>
             </a:fld>
             <a:endParaRPr lang="zh-CN" altLang="en-US"/>
           </a:p>
@@ -19384,6 +19384,13 @@
   <p:clrMapOvr>
     <a:masterClrMapping/>
   </p:clrMapOvr>
+  <p:timing>
+    <p:tnLst>
+      <p:par>
+        <p:cTn id="1" dur="indefinite" restart="never" nodeType="tmRoot"/>
+      </p:par>
+    </p:tnLst>
+  </p:timing>
 </p:sld>
 </file>
 
@@ -19504,6 +19511,13 @@
   <p:clrMapOvr>
     <a:masterClrMapping/>
   </p:clrMapOvr>
+  <p:timing>
+    <p:tnLst>
+      <p:par>
+        <p:cTn id="1" dur="indefinite" restart="never" nodeType="tmRoot"/>
+      </p:par>
+    </p:tnLst>
+  </p:timing>
 </p:sld>
 </file>
 
@@ -19628,6 +19642,13 @@
   <p:clrMapOvr>
     <a:masterClrMapping/>
   </p:clrMapOvr>
+  <p:timing>
+    <p:tnLst>
+      <p:par>
+        <p:cTn id="1" dur="indefinite" restart="never" nodeType="tmRoot"/>
+      </p:par>
+    </p:tnLst>
+  </p:timing>
 </p:sld>
 </file>
 
@@ -19704,6 +19725,13 @@
   <p:clrMapOvr>
     <a:masterClrMapping/>
   </p:clrMapOvr>
+  <p:timing>
+    <p:tnLst>
+      <p:par>
+        <p:cTn id="1" dur="indefinite" restart="never" nodeType="tmRoot"/>
+      </p:par>
+    </p:tnLst>
+  </p:timing>
 </p:sld>
 </file>
 
@@ -19943,6 +19971,13 @@
   <p:clrMapOvr>
     <a:masterClrMapping/>
   </p:clrMapOvr>
+  <p:timing>
+    <p:tnLst>
+      <p:par>
+        <p:cTn id="1" dur="indefinite" restart="never" nodeType="tmRoot"/>
+      </p:par>
+    </p:tnLst>
+  </p:timing>
 </p:sld>
 </file>
 
@@ -20039,6 +20074,13 @@
   <p:clrMapOvr>
     <a:masterClrMapping/>
   </p:clrMapOvr>
+  <p:timing>
+    <p:tnLst>
+      <p:par>
+        <p:cTn id="1" dur="indefinite" restart="never" nodeType="tmRoot"/>
+      </p:par>
+    </p:tnLst>
+  </p:timing>
 </p:sld>
 </file>
 
@@ -20149,6 +20191,13 @@
   <p:clrMapOvr>
     <a:masterClrMapping/>
   </p:clrMapOvr>
+  <p:timing>
+    <p:tnLst>
+      <p:par>
+        <p:cTn id="1" dur="indefinite" restart="never" nodeType="tmRoot"/>
+      </p:par>
+    </p:tnLst>
+  </p:timing>
 </p:sld>
 </file>
 
@@ -20251,6 +20300,13 @@
   <p:clrMapOvr>
     <a:masterClrMapping/>
   </p:clrMapOvr>
+  <p:timing>
+    <p:tnLst>
+      <p:par>
+        <p:cTn id="1" dur="indefinite" restart="never" nodeType="tmRoot"/>
+      </p:par>
+    </p:tnLst>
+  </p:timing>
 </p:sld>
 </file>
 
@@ -20355,6 +20411,13 @@
   <p:clrMapOvr>
     <a:masterClrMapping/>
   </p:clrMapOvr>
+  <p:timing>
+    <p:tnLst>
+      <p:par>
+        <p:cTn id="1" dur="indefinite" restart="never" nodeType="tmRoot"/>
+      </p:par>
+    </p:tnLst>
+  </p:timing>
 </p:sld>
 </file>
 
@@ -20453,6 +20516,13 @@
   <p:clrMapOvr>
     <a:masterClrMapping/>
   </p:clrMapOvr>
+  <p:timing>
+    <p:tnLst>
+      <p:par>
+        <p:cTn id="1" dur="indefinite" restart="never" nodeType="tmRoot"/>
+      </p:par>
+    </p:tnLst>
+  </p:timing>
 </p:sld>
 </file>
 
@@ -20567,6 +20637,13 @@
   <p:clrMapOvr>
     <a:masterClrMapping/>
   </p:clrMapOvr>
+  <p:timing>
+    <p:tnLst>
+      <p:par>
+        <p:cTn id="1" dur="indefinite" restart="never" nodeType="tmRoot"/>
+      </p:par>
+    </p:tnLst>
+  </p:timing>
 </p:sld>
 </file>
 
@@ -20711,6 +20788,13 @@
   <p:clrMapOvr>
     <a:masterClrMapping/>
   </p:clrMapOvr>
+  <p:timing>
+    <p:tnLst>
+      <p:par>
+        <p:cTn id="1" dur="indefinite" restart="never" nodeType="tmRoot"/>
+      </p:par>
+    </p:tnLst>
+  </p:timing>
 </p:sld>
 </file>
 
@@ -20787,6 +20871,13 @@
   <p:clrMapOvr>
     <a:masterClrMapping/>
   </p:clrMapOvr>
+  <p:timing>
+    <p:tnLst>
+      <p:par>
+        <p:cTn id="1" dur="indefinite" restart="never" nodeType="tmRoot"/>
+      </p:par>
+    </p:tnLst>
+  </p:timing>
 </p:sld>
 </file>
 
@@ -20931,6 +21022,13 @@
   <p:clrMapOvr>
     <a:masterClrMapping/>
   </p:clrMapOvr>
+  <p:timing>
+    <p:tnLst>
+      <p:par>
+        <p:cTn id="1" dur="indefinite" restart="never" nodeType="tmRoot"/>
+      </p:par>
+    </p:tnLst>
+  </p:timing>
 </p:sld>
 </file>
 
@@ -21040,6 +21138,13 @@
   <p:clrMapOvr>
     <a:masterClrMapping/>
   </p:clrMapOvr>
+  <p:timing>
+    <p:tnLst>
+      <p:par>
+        <p:cTn id="1" dur="indefinite" restart="never" nodeType="tmRoot"/>
+      </p:par>
+    </p:tnLst>
+  </p:timing>
 </p:sld>
 </file>
 
@@ -21142,6 +21247,13 @@
   <p:clrMapOvr>
     <a:masterClrMapping/>
   </p:clrMapOvr>
+  <p:timing>
+    <p:tnLst>
+      <p:par>
+        <p:cTn id="1" dur="indefinite" restart="never" nodeType="tmRoot"/>
+      </p:par>
+    </p:tnLst>
+  </p:timing>
 </p:sld>
 </file>
 
@@ -21886,6 +21998,13 @@
   <p:clrMapOvr>
     <a:masterClrMapping/>
   </p:clrMapOvr>
+  <p:timing>
+    <p:tnLst>
+      <p:par>
+        <p:cTn id="1" dur="indefinite" restart="never" nodeType="tmRoot"/>
+      </p:par>
+    </p:tnLst>
+  </p:timing>
 </p:sld>
 </file>
 
@@ -21962,6 +22081,13 @@
   <p:clrMapOvr>
     <a:masterClrMapping/>
   </p:clrMapOvr>
+  <p:timing>
+    <p:tnLst>
+      <p:par>
+        <p:cTn id="1" dur="indefinite" restart="never" nodeType="tmRoot"/>
+      </p:par>
+    </p:tnLst>
+  </p:timing>
 </p:sld>
 </file>
 
@@ -22028,7 +22154,25 @@
           <a:p>
             <a:r>
               <a:rPr lang="en-US" altLang="zh-CN" dirty="0" smtClean="0"/>
-              <a:t>When he sees the player, he would try to chase him</a:t>
+              <a:t>When he sees the player, </a:t>
+            </a:r>
+            <a:r>
+              <a:rPr lang="en-US" altLang="zh-CN" dirty="0" smtClean="0"/>
+              <a:t>he will shoot the player</a:t>
+            </a:r>
+          </a:p>
+          <a:p>
+            <a:r>
+              <a:rPr lang="en-US" altLang="zh-CN" dirty="0" smtClean="0"/>
+              <a:t>If he lost </a:t>
+            </a:r>
+            <a:r>
+              <a:rPr lang="en-US" altLang="zh-CN" smtClean="0"/>
+              <a:t>the player, he </a:t>
+            </a:r>
+            <a:r>
+              <a:rPr lang="en-US" altLang="zh-CN" dirty="0" smtClean="0"/>
+              <a:t>would try to chase him</a:t>
             </a:r>
           </a:p>
           <a:p>
@@ -22050,6 +22194,13 @@
   <p:clrMapOvr>
     <a:masterClrMapping/>
   </p:clrMapOvr>
+  <p:timing>
+    <p:tnLst>
+      <p:par>
+        <p:cTn id="1" dur="indefinite" restart="never" nodeType="tmRoot"/>
+      </p:par>
+    </p:tnLst>
+  </p:timing>
 </p:sld>
 </file>
 
@@ -22173,6 +22324,13 @@
   <p:clrMapOvr>
     <a:masterClrMapping/>
   </p:clrMapOvr>
+  <p:timing>
+    <p:tnLst>
+      <p:par>
+        <p:cTn id="1" dur="indefinite" restart="never" nodeType="tmRoot"/>
+      </p:par>
+    </p:tnLst>
+  </p:timing>
 </p:sld>
 </file>
 
@@ -22250,11 +22408,7 @@
             </a:r>
             <a:r>
               <a:rPr lang="en-US" altLang="zh-CN" smtClean="0"/>
-              <a:t>judge </a:t>
-            </a:r>
-            <a:r>
-              <a:rPr lang="en-US" altLang="zh-CN" smtClean="0"/>
-              <a:t>whether </a:t>
+              <a:t>judge whether </a:t>
             </a:r>
             <a:r>
               <a:rPr lang="en-US" altLang="zh-CN" dirty="0" smtClean="0"/>
@@ -22282,6 +22436,13 @@
   <p:clrMapOvr>
     <a:masterClrMapping/>
   </p:clrMapOvr>
+  <p:timing>
+    <p:tnLst>
+      <p:par>
+        <p:cTn id="1" dur="indefinite" restart="never" nodeType="tmRoot"/>
+      </p:par>
+    </p:tnLst>
+  </p:timing>
 </p:sld>
 </file>
 
@@ -22494,6 +22655,13 @@
   <p:clrMapOvr>
     <a:masterClrMapping/>
   </p:clrMapOvr>
+  <p:timing>
+    <p:tnLst>
+      <p:par>
+        <p:cTn id="1" dur="indefinite" restart="never" nodeType="tmRoot"/>
+      </p:par>
+    </p:tnLst>
+  </p:timing>
 </p:sld>
 </file>
 
@@ -27336,6 +27504,13 @@
   <p:clrMapOvr>
     <a:masterClrMapping/>
   </p:clrMapOvr>
+  <p:timing>
+    <p:tnLst>
+      <p:par>
+        <p:cTn id="1" dur="indefinite" restart="never" nodeType="tmRoot"/>
+      </p:par>
+    </p:tnLst>
+  </p:timing>
 </p:sld>
 </file>
 
@@ -28847,6 +29022,13 @@
   <p:clrMapOvr>
     <a:masterClrMapping/>
   </p:clrMapOvr>
+  <p:timing>
+    <p:tnLst>
+      <p:par>
+        <p:cTn id="1" dur="indefinite" restart="never" nodeType="tmRoot"/>
+      </p:par>
+    </p:tnLst>
+  </p:timing>
 </p:sld>
 </file>
 
@@ -30024,6 +30206,13 @@
   <p:clrMapOvr>
     <a:masterClrMapping/>
   </p:clrMapOvr>
+  <p:timing>
+    <p:tnLst>
+      <p:par>
+        <p:cTn id="1" dur="indefinite" restart="never" nodeType="tmRoot"/>
+      </p:par>
+    </p:tnLst>
+  </p:timing>
 </p:sld>
 </file>
 
@@ -30158,6 +30347,13 @@
   <p:clrMapOvr>
     <a:masterClrMapping/>
   </p:clrMapOvr>
+  <p:timing>
+    <p:tnLst>
+      <p:par>
+        <p:cTn id="1" dur="indefinite" restart="never" nodeType="tmRoot"/>
+      </p:par>
+    </p:tnLst>
+  </p:timing>
 </p:sld>
 </file>
 
@@ -30256,6 +30452,13 @@
   <p:clrMapOvr>
     <a:masterClrMapping/>
   </p:clrMapOvr>
+  <p:timing>
+    <p:tnLst>
+      <p:par>
+        <p:cTn id="1" dur="indefinite" restart="never" nodeType="tmRoot"/>
+      </p:par>
+    </p:tnLst>
+  </p:timing>
 </p:sld>
 </file>
 
@@ -30380,6 +30583,13 @@
   <p:clrMapOvr>
     <a:masterClrMapping/>
   </p:clrMapOvr>
+  <p:timing>
+    <p:tnLst>
+      <p:par>
+        <p:cTn id="1" dur="indefinite" restart="never" nodeType="tmRoot"/>
+      </p:par>
+    </p:tnLst>
+  </p:timing>
 </p:sld>
 </file>
 
@@ -30921,7 +31131,7 @@
   <a:extraClrSchemeLst/>
   <a:extLst>
     <a:ext uri="{05A4C25C-085E-4340-85A3-A5531E510DB2}">
-      <thm15:themeFamily xmlns:thm15="http://schemas.microsoft.com/office/thememl/2012/main" name="Office Theme" id="{62F939B6-93AF-4DB8-9C6B-D6C7DFDC589F}" vid="{4A3C46E8-61CC-4603-A589-7422A47A8E4A}"/>
+      <thm15:themeFamily xmlns:thm15="http://schemas.microsoft.com/office/thememl/2012/main" xmlns="" name="Office Theme" id="{62F939B6-93AF-4DB8-9C6B-D6C7DFDC589F}" vid="{4A3C46E8-61CC-4603-A589-7422A47A8E4A}"/>
     </a:ext>
   </a:extLst>
 </a:theme>
